--- a/Veda Lectures/Veda VMS Lectures Intro.pptx
+++ b/Veda Lectures/Veda VMS Lectures Intro.pptx
@@ -9,11 +9,9 @@
     <p:sldId id="257" r:id="rId3"/>
     <p:sldId id="262" r:id="rId4"/>
     <p:sldId id="263" r:id="rId5"/>
-    <p:sldId id="261" r:id="rId6"/>
+    <p:sldId id="265" r:id="rId6"/>
     <p:sldId id="266" r:id="rId7"/>
-    <p:sldId id="267" r:id="rId8"/>
-    <p:sldId id="265" r:id="rId9"/>
-    <p:sldId id="264" r:id="rId10"/>
+    <p:sldId id="264" r:id="rId8"/>
   </p:sldIdLst>
   <p:sldSz cx="12192000" cy="6858000"/>
   <p:notesSz cx="6858000" cy="9144000"/>
@@ -252,7 +250,7 @@
             <a:fld id="{B61BEF0D-F0BB-DE4B-95CE-6DB70DBA9567}" type="datetimeFigureOut">
               <a:rPr lang="en-US" smtClean="0"/>
               <a:pPr/>
-              <a:t>3/3/2020</a:t>
+              <a:t>1/26/2021</a:t>
             </a:fld>
             <a:endParaRPr lang="en-US" dirty="0"/>
           </a:p>
@@ -423,7 +421,7 @@
           <a:p>
             <a:fld id="{55C6B4A9-1611-4792-9094-5F34BCA07E0B}" type="datetimeFigureOut">
               <a:rPr lang="en-US" smtClean="0"/>
-              <a:t>3/3/2020</a:t>
+              <a:t>1/26/2021</a:t>
             </a:fld>
             <a:endParaRPr lang="en-US" dirty="0"/>
           </a:p>
@@ -604,7 +602,7 @@
             <a:fld id="{B61BEF0D-F0BB-DE4B-95CE-6DB70DBA9567}" type="datetimeFigureOut">
               <a:rPr lang="en-US" smtClean="0"/>
               <a:pPr/>
-              <a:t>3/3/2020</a:t>
+              <a:t>1/26/2021</a:t>
             </a:fld>
             <a:endParaRPr lang="en-US" dirty="0"/>
           </a:p>
@@ -775,7 +773,7 @@
           <a:p>
             <a:fld id="{42A54C80-263E-416B-A8E0-580EDEADCBDC}" type="datetimeFigureOut">
               <a:rPr lang="en-US" smtClean="0"/>
-              <a:t>3/3/2020</a:t>
+              <a:t>1/26/2021</a:t>
             </a:fld>
             <a:endParaRPr lang="en-US" dirty="0"/>
           </a:p>
@@ -1022,7 +1020,7 @@
             <a:fld id="{B61BEF0D-F0BB-DE4B-95CE-6DB70DBA9567}" type="datetimeFigureOut">
               <a:rPr lang="en-US" smtClean="0"/>
               <a:pPr/>
-              <a:t>3/3/2020</a:t>
+              <a:t>1/26/2021</a:t>
             </a:fld>
             <a:endParaRPr lang="en-US" dirty="0"/>
           </a:p>
@@ -1255,7 +1253,7 @@
           <a:p>
             <a:fld id="{42A54C80-263E-416B-A8E0-580EDEADCBDC}" type="datetimeFigureOut">
               <a:rPr lang="en-US" smtClean="0"/>
-              <a:t>3/3/2020</a:t>
+              <a:t>1/26/2021</a:t>
             </a:fld>
             <a:endParaRPr lang="en-US" dirty="0"/>
           </a:p>
@@ -1623,7 +1621,7 @@
             <a:fld id="{B61BEF0D-F0BB-DE4B-95CE-6DB70DBA9567}" type="datetimeFigureOut">
               <a:rPr lang="en-US" smtClean="0"/>
               <a:pPr/>
-              <a:t>3/3/2020</a:t>
+              <a:t>1/26/2021</a:t>
             </a:fld>
             <a:endParaRPr lang="en-US" dirty="0"/>
           </a:p>
@@ -1743,7 +1741,7 @@
             <a:fld id="{B61BEF0D-F0BB-DE4B-95CE-6DB70DBA9567}" type="datetimeFigureOut">
               <a:rPr lang="en-US" smtClean="0"/>
               <a:pPr/>
-              <a:t>3/3/2020</a:t>
+              <a:t>1/26/2021</a:t>
             </a:fld>
             <a:endParaRPr lang="en-US" dirty="0"/>
           </a:p>
@@ -1840,7 +1838,7 @@
             <a:fld id="{B61BEF0D-F0BB-DE4B-95CE-6DB70DBA9567}" type="datetimeFigureOut">
               <a:rPr lang="en-US" smtClean="0"/>
               <a:pPr/>
-              <a:t>3/3/2020</a:t>
+              <a:t>1/26/2021</a:t>
             </a:fld>
             <a:endParaRPr lang="en-US" dirty="0"/>
           </a:p>
@@ -2118,7 +2116,7 @@
           <a:p>
             <a:fld id="{42A54C80-263E-416B-A8E0-580EDEADCBDC}" type="datetimeFigureOut">
               <a:rPr lang="en-US" smtClean="0"/>
-              <a:t>3/3/2020</a:t>
+              <a:t>1/26/2021</a:t>
             </a:fld>
             <a:endParaRPr lang="en-US" dirty="0"/>
           </a:p>
@@ -2372,7 +2370,7 @@
             <a:fld id="{B61BEF0D-F0BB-DE4B-95CE-6DB70DBA9567}" type="datetimeFigureOut">
               <a:rPr lang="en-US" smtClean="0"/>
               <a:pPr/>
-              <a:t>3/3/2020</a:t>
+              <a:t>1/26/2021</a:t>
             </a:fld>
             <a:endParaRPr lang="en-US" dirty="0"/>
           </a:p>
@@ -2587,7 +2585,7 @@
             <a:fld id="{B61BEF0D-F0BB-DE4B-95CE-6DB70DBA9567}" type="datetimeFigureOut">
               <a:rPr lang="en-US" smtClean="0"/>
               <a:pPr/>
-              <a:t>3/3/2020</a:t>
+              <a:t>1/26/2021</a:t>
             </a:fld>
             <a:endParaRPr lang="en-US" dirty="0"/>
           </a:p>
@@ -3003,7 +3001,12 @@
             <p:ph type="ctrTitle"/>
           </p:nvPr>
         </p:nvSpPr>
-        <p:spPr/>
+        <p:spPr>
+          <a:xfrm>
+            <a:off x="1524000" y="1122363"/>
+            <a:ext cx="9144000" cy="1156380"/>
+          </a:xfrm>
+        </p:spPr>
         <p:txBody>
           <a:bodyPr/>
           <a:lstStyle/>
@@ -3026,9 +3029,16 @@
             <p:ph type="subTitle" idx="1"/>
           </p:nvPr>
         </p:nvSpPr>
-        <p:spPr/>
-        <p:txBody>
-          <a:bodyPr/>
+        <p:spPr>
+          <a:xfrm>
+            <a:off x="1233714" y="2905352"/>
+            <a:ext cx="9434285" cy="3074533"/>
+          </a:xfrm>
+        </p:spPr>
+        <p:txBody>
+          <a:bodyPr>
+            <a:normAutofit/>
+          </a:bodyPr>
           <a:lstStyle/>
           <a:p>
             <a:r>
@@ -3039,6 +3049,12 @@
               <a:rPr lang="en-US" sz="3600" b="1" dirty="0" smtClean="0"/>
               <a:t>Series</a:t>
             </a:r>
+          </a:p>
+          <a:p>
+            <a:endParaRPr lang="en-US" sz="3600" b="1" dirty="0"/>
+          </a:p>
+          <a:p>
+            <a:endParaRPr lang="en-US" sz="3600" b="1" dirty="0" smtClean="0"/>
           </a:p>
           <a:p>
             <a:r>
@@ -3096,106 +3112,155 @@
             <p:ph type="title"/>
           </p:nvPr>
         </p:nvSpPr>
-        <p:spPr/>
-        <p:txBody>
-          <a:bodyPr/>
-          <a:lstStyle/>
-          <a:p>
-            <a:r>
-              <a:rPr lang="en-US" b="1" dirty="0" smtClean="0"/>
-              <a:t>About Members</a:t>
-            </a:r>
-            <a:endParaRPr lang="en-US" b="1" dirty="0"/>
-          </a:p>
-        </p:txBody>
-      </p:sp>
-      <p:sp>
-        <p:nvSpPr>
-          <p:cNvPr id="3" name="Content Placeholder 2"/>
-          <p:cNvSpPr>
-            <a:spLocks noGrp="1"/>
-          </p:cNvSpPr>
-          <p:nvPr>
-            <p:ph idx="1"/>
-          </p:nvPr>
-        </p:nvSpPr>
         <p:spPr>
           <a:xfrm>
-            <a:off x="838200" y="1487606"/>
-            <a:ext cx="10816988" cy="4981433"/>
+            <a:off x="678543" y="-261257"/>
+            <a:ext cx="10515600" cy="1325563"/>
           </a:xfrm>
         </p:spPr>
         <p:txBody>
+          <a:bodyPr/>
+          <a:lstStyle/>
+          <a:p>
+            <a:r>
+              <a:rPr lang="en-US" b="1" dirty="0" smtClean="0">
+                <a:latin typeface="Arial" panose="020B0604020202020204" pitchFamily="34" charset="0"/>
+                <a:cs typeface="Arial" panose="020B0604020202020204" pitchFamily="34" charset="0"/>
+              </a:rPr>
+              <a:t>Our Experience</a:t>
+            </a:r>
+            <a:endParaRPr lang="en-US" b="1" dirty="0">
+              <a:latin typeface="Arial" panose="020B0604020202020204" pitchFamily="34" charset="0"/>
+              <a:cs typeface="Arial" panose="020B0604020202020204" pitchFamily="34" charset="0"/>
+            </a:endParaRPr>
+          </a:p>
+        </p:txBody>
+      </p:sp>
+      <p:sp>
+        <p:nvSpPr>
+          <p:cNvPr id="3" name="Content Placeholder 2"/>
+          <p:cNvSpPr>
+            <a:spLocks noGrp="1"/>
+          </p:cNvSpPr>
+          <p:nvPr>
+            <p:ph idx="1"/>
+          </p:nvPr>
+        </p:nvSpPr>
+        <p:spPr>
+          <a:xfrm>
+            <a:off x="838199" y="1378858"/>
+            <a:ext cx="10657115" cy="5090182"/>
+          </a:xfrm>
+        </p:spPr>
+        <p:txBody>
           <a:bodyPr>
-            <a:normAutofit/>
+            <a:normAutofit lnSpcReduction="10000"/>
           </a:bodyPr>
           <a:lstStyle/>
           <a:p>
             <a:r>
-              <a:rPr lang="en-US" b="1" dirty="0" smtClean="0"/>
-              <a:t>We are all Householders who have started Veda Learning </a:t>
-            </a:r>
-            <a:br>
-              <a:rPr lang="en-US" b="1" dirty="0" smtClean="0"/>
-            </a:br>
-            <a:r>
-              <a:rPr lang="en-US" b="1" dirty="0" smtClean="0"/>
-              <a:t>after middle age</a:t>
-            </a:r>
-          </a:p>
-          <a:p>
-            <a:r>
-              <a:rPr lang="en-US" b="1" dirty="0" smtClean="0"/>
-              <a:t>Our learning was very difficult</a:t>
+              <a:rPr lang="en-US" sz="3200" b="1" dirty="0" smtClean="0">
+                <a:latin typeface="Arial" panose="020B0604020202020204" pitchFamily="34" charset="0"/>
+                <a:cs typeface="Arial" panose="020B0604020202020204" pitchFamily="34" charset="0"/>
+              </a:rPr>
+              <a:t>Our </a:t>
+            </a:r>
+            <a:r>
+              <a:rPr lang="en-US" sz="3200" b="1" dirty="0" smtClean="0">
+                <a:latin typeface="Arial" panose="020B0604020202020204" pitchFamily="34" charset="0"/>
+                <a:cs typeface="Arial" panose="020B0604020202020204" pitchFamily="34" charset="0"/>
+              </a:rPr>
+              <a:t>learning was very difficult</a:t>
             </a:r>
           </a:p>
           <a:p>
             <a:pPr lvl="1"/>
             <a:r>
-              <a:rPr lang="en-US" b="1" dirty="0" smtClean="0"/>
+              <a:rPr lang="en-US" sz="3200" b="1" dirty="0" smtClean="0">
+                <a:latin typeface="Arial" panose="020B0604020202020204" pitchFamily="34" charset="0"/>
+                <a:cs typeface="Arial" panose="020B0604020202020204" pitchFamily="34" charset="0"/>
+              </a:rPr>
               <a:t>Absence of books in Tamil, Malayalam</a:t>
             </a:r>
           </a:p>
           <a:p>
             <a:pPr lvl="1"/>
             <a:r>
-              <a:rPr lang="en-US" b="1" dirty="0" smtClean="0"/>
+              <a:rPr lang="en-US" sz="3200" b="1" dirty="0" smtClean="0">
+                <a:latin typeface="Arial" panose="020B0604020202020204" pitchFamily="34" charset="0"/>
+                <a:cs typeface="Arial" panose="020B0604020202020204" pitchFamily="34" charset="0"/>
+              </a:rPr>
               <a:t>Getting right pronunciation </a:t>
             </a:r>
           </a:p>
           <a:p>
             <a:pPr lvl="1"/>
             <a:r>
-              <a:rPr lang="en-US" b="1" dirty="0" smtClean="0"/>
+              <a:rPr lang="en-US" sz="3200" b="1" dirty="0" smtClean="0">
+                <a:latin typeface="Arial" panose="020B0604020202020204" pitchFamily="34" charset="0"/>
+                <a:cs typeface="Arial" panose="020B0604020202020204" pitchFamily="34" charset="0"/>
+              </a:rPr>
               <a:t>Limitation of not knowing Sanskrit</a:t>
             </a:r>
           </a:p>
           <a:p>
             <a:r>
-              <a:rPr lang="en-US" b="1" dirty="0" smtClean="0"/>
+              <a:rPr lang="en-US" sz="3200" b="1" dirty="0" smtClean="0">
+                <a:latin typeface="Arial" panose="020B0604020202020204" pitchFamily="34" charset="0"/>
+                <a:cs typeface="Arial" panose="020B0604020202020204" pitchFamily="34" charset="0"/>
+              </a:rPr>
               <a:t>Some of us thought the learning was more ‘rote’</a:t>
             </a:r>
           </a:p>
           <a:p>
             <a:pPr lvl="1"/>
             <a:r>
-              <a:rPr lang="en-US" b="1" dirty="0" smtClean="0"/>
+              <a:rPr lang="en-US" sz="3200" b="1" dirty="0" smtClean="0">
+                <a:latin typeface="Arial" panose="020B0604020202020204" pitchFamily="34" charset="0"/>
+                <a:cs typeface="Arial" panose="020B0604020202020204" pitchFamily="34" charset="0"/>
+              </a:rPr>
               <a:t>We never got some basics – just repeated like Parrots</a:t>
             </a:r>
           </a:p>
           <a:p>
             <a:pPr lvl="1"/>
             <a:r>
-              <a:rPr lang="en-US" b="1" dirty="0" smtClean="0"/>
+              <a:rPr lang="en-US" sz="3200" b="1" dirty="0" smtClean="0">
+                <a:latin typeface="Arial" panose="020B0604020202020204" pitchFamily="34" charset="0"/>
+                <a:cs typeface="Arial" panose="020B0604020202020204" pitchFamily="34" charset="0"/>
+              </a:rPr>
               <a:t>We were limited to what our Gurus knew</a:t>
             </a:r>
           </a:p>
           <a:p>
             <a:pPr lvl="1"/>
             <a:r>
-              <a:rPr lang="en-US" b="1" dirty="0" smtClean="0"/>
-              <a:t>When we shared our experience many new findings were made</a:t>
-            </a:r>
+              <a:rPr lang="en-US" sz="3200" b="1" dirty="0" smtClean="0">
+                <a:latin typeface="Arial" panose="020B0604020202020204" pitchFamily="34" charset="0"/>
+                <a:cs typeface="Arial" panose="020B0604020202020204" pitchFamily="34" charset="0"/>
+              </a:rPr>
+              <a:t>When we shared our experience many new findings were </a:t>
+            </a:r>
+            <a:r>
+              <a:rPr lang="en-US" sz="3200" b="1" dirty="0" smtClean="0">
+                <a:latin typeface="Arial" panose="020B0604020202020204" pitchFamily="34" charset="0"/>
+                <a:cs typeface="Arial" panose="020B0604020202020204" pitchFamily="34" charset="0"/>
+              </a:rPr>
+              <a:t>made</a:t>
+            </a:r>
+          </a:p>
+          <a:p>
+            <a:r>
+              <a:rPr lang="en-US" sz="3200" b="1" dirty="0" smtClean="0">
+                <a:latin typeface="Arial" panose="020B0604020202020204" pitchFamily="34" charset="0"/>
+                <a:cs typeface="Arial" panose="020B0604020202020204" pitchFamily="34" charset="0"/>
+              </a:rPr>
+              <a:t>Let us document what we have learnt</a:t>
+            </a:r>
+            <a:endParaRPr lang="en-US" sz="3200" b="1" dirty="0" smtClean="0">
+              <a:latin typeface="Arial" panose="020B0604020202020204" pitchFamily="34" charset="0"/>
+              <a:cs typeface="Arial" panose="020B0604020202020204" pitchFamily="34" charset="0"/>
+            </a:endParaRPr>
           </a:p>
           <a:p>
             <a:pPr marL="0" indent="0">
@@ -3261,10 +3326,16 @@
           <a:lstStyle/>
           <a:p>
             <a:r>
-              <a:rPr lang="en-US" b="1" dirty="0" smtClean="0"/>
+              <a:rPr lang="en-US" b="1" dirty="0" smtClean="0">
+                <a:latin typeface="Arial" panose="020B0604020202020204" pitchFamily="34" charset="0"/>
+                <a:cs typeface="Arial" panose="020B0604020202020204" pitchFamily="34" charset="0"/>
+              </a:rPr>
               <a:t>Our Experience</a:t>
             </a:r>
-            <a:endParaRPr lang="en-US" b="1" dirty="0"/>
+            <a:endParaRPr lang="en-US" b="1" dirty="0">
+              <a:latin typeface="Arial" panose="020B0604020202020204" pitchFamily="34" charset="0"/>
+              <a:cs typeface="Arial" panose="020B0604020202020204" pitchFamily="34" charset="0"/>
+            </a:endParaRPr>
           </a:p>
         </p:txBody>
       </p:sp>
@@ -3280,8 +3351,8 @@
         </p:nvSpPr>
         <p:spPr>
           <a:xfrm>
-            <a:off x="641445" y="1296537"/>
-            <a:ext cx="10712355" cy="4880426"/>
+            <a:off x="641445" y="1690688"/>
+            <a:ext cx="10712355" cy="5000397"/>
           </a:xfrm>
         </p:spPr>
         <p:txBody>
@@ -3417,8 +3488,8 @@
         </p:nvSpPr>
         <p:spPr>
           <a:xfrm>
-            <a:off x="838200" y="324182"/>
-            <a:ext cx="10515600" cy="1325563"/>
+            <a:off x="838200" y="324183"/>
+            <a:ext cx="9771743" cy="895018"/>
           </a:xfrm>
         </p:spPr>
         <p:txBody>
@@ -3426,10 +3497,16 @@
           <a:lstStyle/>
           <a:p>
             <a:r>
-              <a:rPr lang="en-US" b="1" dirty="0" smtClean="0"/>
+              <a:rPr lang="en-US" b="1" dirty="0" smtClean="0">
+                <a:latin typeface="Arial" panose="020B0604020202020204" pitchFamily="34" charset="0"/>
+                <a:cs typeface="Arial" panose="020B0604020202020204" pitchFamily="34" charset="0"/>
+              </a:rPr>
               <a:t>Our Advice</a:t>
             </a:r>
-            <a:endParaRPr lang="en-US" b="1" dirty="0"/>
+            <a:endParaRPr lang="en-US" b="1" dirty="0">
+              <a:latin typeface="Arial" panose="020B0604020202020204" pitchFamily="34" charset="0"/>
+              <a:cs typeface="Arial" panose="020B0604020202020204" pitchFamily="34" charset="0"/>
+            </a:endParaRPr>
           </a:p>
         </p:txBody>
       </p:sp>
@@ -3456,54 +3533,78 @@
           <a:lstStyle/>
           <a:p>
             <a:r>
-              <a:rPr lang="en-US" b="1" dirty="0" smtClean="0"/>
+              <a:rPr lang="en-US" b="1" dirty="0" smtClean="0">
+                <a:latin typeface="Arial" panose="020B0604020202020204" pitchFamily="34" charset="0"/>
+                <a:cs typeface="Arial" panose="020B0604020202020204" pitchFamily="34" charset="0"/>
+              </a:rPr>
               <a:t>There is no substitute for a qualified Guru</a:t>
             </a:r>
           </a:p>
           <a:p>
             <a:pPr lvl="1"/>
             <a:r>
-              <a:rPr lang="en-US" b="1" dirty="0" smtClean="0"/>
+              <a:rPr lang="en-US" b="1" dirty="0" smtClean="0">
+                <a:latin typeface="Arial" panose="020B0604020202020204" pitchFamily="34" charset="0"/>
+                <a:cs typeface="Arial" panose="020B0604020202020204" pitchFamily="34" charset="0"/>
+              </a:rPr>
               <a:t>Don’t use our books without a Guru </a:t>
             </a:r>
           </a:p>
           <a:p>
             <a:r>
-              <a:rPr lang="en-US" b="1" dirty="0" smtClean="0"/>
+              <a:rPr lang="en-US" b="1" dirty="0" smtClean="0">
+                <a:latin typeface="Arial" panose="020B0604020202020204" pitchFamily="34" charset="0"/>
+                <a:cs typeface="Arial" panose="020B0604020202020204" pitchFamily="34" charset="0"/>
+              </a:rPr>
               <a:t>Remember there are variations between paddhati/Schools</a:t>
             </a:r>
           </a:p>
           <a:p>
             <a:r>
-              <a:rPr lang="en-US" b="1" dirty="0" smtClean="0"/>
+              <a:rPr lang="en-US" b="1" dirty="0" smtClean="0">
+                <a:latin typeface="Arial" panose="020B0604020202020204" pitchFamily="34" charset="0"/>
+                <a:cs typeface="Arial" panose="020B0604020202020204" pitchFamily="34" charset="0"/>
+              </a:rPr>
               <a:t>Check the content of our inputs</a:t>
             </a:r>
           </a:p>
           <a:p>
             <a:pPr lvl="1"/>
             <a:r>
-              <a:rPr lang="en-US" b="1" dirty="0" smtClean="0"/>
+              <a:rPr lang="en-US" b="1" dirty="0" smtClean="0">
+                <a:latin typeface="Arial" panose="020B0604020202020204" pitchFamily="34" charset="0"/>
+                <a:cs typeface="Arial" panose="020B0604020202020204" pitchFamily="34" charset="0"/>
+              </a:rPr>
               <a:t>What you have learnt</a:t>
             </a:r>
           </a:p>
           <a:p>
             <a:pPr lvl="1"/>
             <a:r>
-              <a:rPr lang="en-US" b="1" dirty="0" smtClean="0"/>
+              <a:rPr lang="en-US" b="1" dirty="0" smtClean="0">
+                <a:latin typeface="Arial" panose="020B0604020202020204" pitchFamily="34" charset="0"/>
+                <a:cs typeface="Arial" panose="020B0604020202020204" pitchFamily="34" charset="0"/>
+              </a:rPr>
               <a:t>Read and learn more</a:t>
             </a:r>
           </a:p>
           <a:p>
             <a:pPr lvl="1"/>
             <a:r>
-              <a:rPr lang="en-US" b="1" dirty="0" smtClean="0"/>
+              <a:rPr lang="en-US" b="1" dirty="0" smtClean="0">
+                <a:latin typeface="Arial" panose="020B0604020202020204" pitchFamily="34" charset="0"/>
+                <a:cs typeface="Arial" panose="020B0604020202020204" pitchFamily="34" charset="0"/>
+              </a:rPr>
               <a:t>Read translations and get inner meaning</a:t>
             </a:r>
           </a:p>
           <a:p>
             <a:pPr lvl="1"/>
             <a:r>
-              <a:rPr lang="en-US" b="1" dirty="0" smtClean="0"/>
+              <a:rPr lang="en-US" b="1" dirty="0" smtClean="0">
+                <a:latin typeface="Arial" panose="020B0604020202020204" pitchFamily="34" charset="0"/>
+                <a:cs typeface="Arial" panose="020B0604020202020204" pitchFamily="34" charset="0"/>
+              </a:rPr>
               <a:t>Get explanations from learned Scholars</a:t>
             </a:r>
           </a:p>
@@ -3516,7 +3617,15 @@
           <a:p>
             <a:r>
               <a:rPr lang="en-US" b="1" dirty="0" smtClean="0"/>
-              <a:t>Our Sharing the limited knowledge we have is </a:t>
+              <a:t>Our Sharing the limited knowledge we </a:t>
+            </a:r>
+            <a:r>
+              <a:rPr lang="en-US" b="1" dirty="0" smtClean="0"/>
+              <a:t>have and</a:t>
+            </a:r>
+            <a:r>
+              <a:rPr lang="en-US" b="1" dirty="0" smtClean="0"/>
+              <a:t/>
             </a:r>
             <a:br>
               <a:rPr lang="en-US" b="1" dirty="0" smtClean="0"/>
@@ -3587,7 +3696,7 @@
         <p:spPr>
           <a:xfrm>
             <a:off x="851848" y="0"/>
-            <a:ext cx="10515600" cy="1325563"/>
+            <a:ext cx="10039065" cy="1129589"/>
           </a:xfrm>
         </p:spPr>
         <p:txBody>
@@ -3595,10 +3704,12 @@
           <a:lstStyle/>
           <a:p>
             <a:r>
-              <a:rPr lang="en-US" b="1" dirty="0" smtClean="0"/>
-              <a:t>Our Acknowledgement</a:t>
-            </a:r>
-            <a:endParaRPr lang="en-US" b="1" dirty="0"/>
+              <a:rPr lang="en-US" b="1" dirty="0">
+                <a:latin typeface="Arial" panose="020B0604020202020204" pitchFamily="34" charset="0"/>
+                <a:cs typeface="Arial" panose="020B0604020202020204" pitchFamily="34" charset="0"/>
+              </a:rPr>
+              <a:t>Don’t have unrealistic expectations</a:t>
+            </a:r>
           </a:p>
         </p:txBody>
       </p:sp>
@@ -3614,8 +3725,8 @@
         </p:nvSpPr>
         <p:spPr>
           <a:xfrm>
-            <a:off x="742666" y="1129589"/>
-            <a:ext cx="10515600" cy="4351338"/>
+            <a:off x="742666" y="1129588"/>
+            <a:ext cx="10738134" cy="5169611"/>
           </a:xfrm>
         </p:spPr>
         <p:txBody>
@@ -3625,59 +3736,79 @@
           <a:lstStyle/>
           <a:p>
             <a:r>
-              <a:rPr lang="en-US" b="1" dirty="0" smtClean="0"/>
-              <a:t>Gurus and Scholars who encouraged us and guided </a:t>
-            </a:r>
-          </a:p>
-          <a:p>
-            <a:r>
-              <a:rPr lang="en-US" b="1" dirty="0" smtClean="0"/>
-              <a:t>Volunteers of various nature</a:t>
-            </a:r>
-          </a:p>
-          <a:p>
-            <a:pPr lvl="1"/>
-            <a:r>
-              <a:rPr lang="en-US" b="1" dirty="0" smtClean="0"/>
-              <a:t>Help by Aaladi, the Artist </a:t>
-            </a:r>
-          </a:p>
-          <a:p>
-            <a:r>
-              <a:rPr lang="en-US" b="1" dirty="0" smtClean="0"/>
-              <a:t>Those who lent us books, guided us in many ways</a:t>
-            </a:r>
-          </a:p>
-          <a:p>
-            <a:r>
-              <a:rPr lang="en-US" b="1" dirty="0" smtClean="0"/>
-              <a:t>Those who gave us valuable feedback</a:t>
-            </a:r>
-          </a:p>
-          <a:p>
-            <a:r>
-              <a:rPr lang="en-US" b="1" dirty="0" smtClean="0"/>
-              <a:t>Those great men who have already documented various books, treasures of knowledge</a:t>
-            </a:r>
-          </a:p>
-          <a:p>
-            <a:r>
-              <a:rPr lang="en-US" b="1" dirty="0" smtClean="0"/>
-              <a:t>Internets site for publishing very useful material on Vedas.</a:t>
-            </a:r>
-          </a:p>
-          <a:p>
-            <a:r>
-              <a:rPr lang="en-US" b="1" dirty="0" smtClean="0"/>
-              <a:t>Those who regularly give us feedback !!!</a:t>
-            </a:r>
+              <a:rPr lang="en-US" sz="3200" b="1" dirty="0" smtClean="0">
+                <a:latin typeface="Arial" panose="020B0604020202020204" pitchFamily="34" charset="0"/>
+                <a:cs typeface="Arial" panose="020B0604020202020204" pitchFamily="34" charset="0"/>
+              </a:rPr>
+              <a:t>That we are going to give you </a:t>
+            </a:r>
+            <a:r>
+              <a:rPr lang="en-US" sz="3200" b="1" dirty="0" smtClean="0">
+                <a:latin typeface="Arial" panose="020B0604020202020204" pitchFamily="34" charset="0"/>
+                <a:cs typeface="Arial" panose="020B0604020202020204" pitchFamily="34" charset="0"/>
+              </a:rPr>
+              <a:t>translations, commentaries </a:t>
+            </a:r>
+            <a:r>
+              <a:rPr lang="en-US" sz="3200" b="1" dirty="0" smtClean="0">
+                <a:latin typeface="Arial" panose="020B0604020202020204" pitchFamily="34" charset="0"/>
+                <a:cs typeface="Arial" panose="020B0604020202020204" pitchFamily="34" charset="0"/>
+              </a:rPr>
+              <a:t>or (Bhasyams)</a:t>
+            </a:r>
+          </a:p>
+          <a:p>
+            <a:r>
+              <a:rPr lang="en-US" sz="3200" b="1" dirty="0" smtClean="0">
+                <a:latin typeface="Arial" panose="020B0604020202020204" pitchFamily="34" charset="0"/>
+                <a:cs typeface="Arial" panose="020B0604020202020204" pitchFamily="34" charset="0"/>
+              </a:rPr>
+              <a:t>That we are going to cover detailed grammar or </a:t>
+            </a:r>
+            <a:r>
+              <a:rPr lang="en-US" sz="3200" b="1" dirty="0" smtClean="0">
+                <a:latin typeface="Arial" panose="020B0604020202020204" pitchFamily="34" charset="0"/>
+                <a:cs typeface="Arial" panose="020B0604020202020204" pitchFamily="34" charset="0"/>
+              </a:rPr>
+              <a:t>nikrutam (etymology)</a:t>
+            </a:r>
+            <a:endParaRPr lang="en-US" sz="3200" b="1" dirty="0" smtClean="0">
+              <a:latin typeface="Arial" panose="020B0604020202020204" pitchFamily="34" charset="0"/>
+              <a:cs typeface="Arial" panose="020B0604020202020204" pitchFamily="34" charset="0"/>
+            </a:endParaRPr>
+          </a:p>
+          <a:p>
+            <a:r>
+              <a:rPr lang="en-US" sz="3200" b="1" dirty="0" smtClean="0">
+                <a:latin typeface="Arial" panose="020B0604020202020204" pitchFamily="34" charset="0"/>
+                <a:cs typeface="Arial" panose="020B0604020202020204" pitchFamily="34" charset="0"/>
+              </a:rPr>
+              <a:t>That we are going to cover “what you want us” </a:t>
+            </a:r>
+            <a:endParaRPr lang="en-US" sz="3200" b="1" dirty="0" smtClean="0">
+              <a:latin typeface="Arial" panose="020B0604020202020204" pitchFamily="34" charset="0"/>
+              <a:cs typeface="Arial" panose="020B0604020202020204" pitchFamily="34" charset="0"/>
+            </a:endParaRPr>
+          </a:p>
+          <a:p>
+            <a:r>
+              <a:rPr lang="en-US" sz="3200" b="1" dirty="0" smtClean="0">
+                <a:latin typeface="Arial" panose="020B0604020202020204" pitchFamily="34" charset="0"/>
+                <a:cs typeface="Arial" panose="020B0604020202020204" pitchFamily="34" charset="0"/>
+              </a:rPr>
+              <a:t>We do not substitute Gurus</a:t>
+            </a:r>
+            <a:endParaRPr lang="en-US" sz="3200" b="1" dirty="0" smtClean="0">
+              <a:latin typeface="Arial" panose="020B0604020202020204" pitchFamily="34" charset="0"/>
+              <a:cs typeface="Arial" panose="020B0604020202020204" pitchFamily="34" charset="0"/>
+            </a:endParaRPr>
           </a:p>
         </p:txBody>
       </p:sp>
     </p:spTree>
     <p:extLst>
       <p:ext uri="{BB962C8B-B14F-4D97-AF65-F5344CB8AC3E}">
-        <p14:creationId xmlns:p14="http://schemas.microsoft.com/office/powerpoint/2010/main" val="1274493939"/>
+        <p14:creationId xmlns:p14="http://schemas.microsoft.com/office/powerpoint/2010/main" val="2880913269"/>
       </p:ext>
     </p:extLst>
   </p:cSld>
@@ -3723,8 +3854,8 @@
         </p:nvSpPr>
         <p:spPr>
           <a:xfrm>
-            <a:off x="742666" y="0"/>
-            <a:ext cx="10325668" cy="968991"/>
+            <a:off x="851848" y="0"/>
+            <a:ext cx="10039065" cy="1129589"/>
           </a:xfrm>
         </p:spPr>
         <p:txBody>
@@ -3732,10 +3863,12 @@
           <a:lstStyle/>
           <a:p>
             <a:r>
-              <a:rPr lang="en-US" b="1" dirty="0" smtClean="0"/>
-              <a:t>Our Request to Patrons/Veda Learners</a:t>
-            </a:r>
-            <a:endParaRPr lang="en-US" b="1" dirty="0"/>
+              <a:rPr lang="en-US" b="1" dirty="0">
+                <a:latin typeface="Arial" panose="020B0604020202020204" pitchFamily="34" charset="0"/>
+                <a:cs typeface="Arial" panose="020B0604020202020204" pitchFamily="34" charset="0"/>
+              </a:rPr>
+              <a:t>Don’t have unrealistic expectations</a:t>
+            </a:r>
           </a:p>
         </p:txBody>
       </p:sp>
@@ -3751,8 +3884,8 @@
         </p:nvSpPr>
         <p:spPr>
           <a:xfrm>
-            <a:off x="742666" y="1129589"/>
-            <a:ext cx="10557680" cy="5339450"/>
+            <a:off x="742666" y="1129588"/>
+            <a:ext cx="10738134" cy="5169611"/>
           </a:xfrm>
         </p:spPr>
         <p:txBody>
@@ -3761,114 +3894,83 @@
           </a:bodyPr>
           <a:lstStyle/>
           <a:p>
-            <a:r>
-              <a:rPr lang="en-US" b="1" dirty="0" smtClean="0"/>
-              <a:t>We concentrate only on Krishna Yajur Veda Mantras</a:t>
+            <a:pPr marL="0" indent="0">
+              <a:buNone/>
+            </a:pPr>
+            <a:r>
+              <a:rPr lang="en-US" sz="4400" b="1" dirty="0" smtClean="0">
+                <a:latin typeface="Arial" panose="020B0604020202020204" pitchFamily="34" charset="0"/>
+                <a:cs typeface="Arial" panose="020B0604020202020204" pitchFamily="34" charset="0"/>
+              </a:rPr>
+              <a:t>Rather </a:t>
+            </a:r>
+            <a:r>
+              <a:rPr lang="en-US" sz="4400" b="1" dirty="0" smtClean="0">
+                <a:latin typeface="Arial" panose="020B0604020202020204" pitchFamily="34" charset="0"/>
+                <a:cs typeface="Arial" panose="020B0604020202020204" pitchFamily="34" charset="0"/>
+              </a:rPr>
+              <a:t>let us</a:t>
+            </a:r>
+            <a:endParaRPr lang="en-US" sz="4400" b="1" dirty="0">
+              <a:latin typeface="Arial" panose="020B0604020202020204" pitchFamily="34" charset="0"/>
+              <a:cs typeface="Arial" panose="020B0604020202020204" pitchFamily="34" charset="0"/>
+            </a:endParaRPr>
+          </a:p>
+          <a:p>
+            <a:r>
+              <a:rPr lang="en-US" sz="3600" b="1" dirty="0" smtClean="0"/>
+              <a:t>stick to what we have learnt </a:t>
+            </a:r>
+            <a:r>
+              <a:rPr lang="en-US" sz="3600" b="1" dirty="0" smtClean="0"/>
+              <a:t>or learning</a:t>
+            </a:r>
+            <a:endParaRPr lang="en-US" sz="3600" b="1" dirty="0" smtClean="0"/>
+          </a:p>
+          <a:p>
+            <a:r>
+              <a:rPr lang="en-US" sz="3600" b="1" dirty="0" smtClean="0"/>
+              <a:t>What we can possibly Share and </a:t>
+            </a:r>
+            <a:r>
+              <a:rPr lang="en-US" sz="3600" b="1" dirty="0" smtClean="0"/>
+              <a:t>do</a:t>
+            </a:r>
+          </a:p>
+          <a:p>
+            <a:r>
+              <a:rPr lang="en-US" sz="3600" b="1" dirty="0" smtClean="0"/>
+              <a:t>Kindly bear with limitations of technology we can afford</a:t>
+            </a:r>
+          </a:p>
+          <a:p>
+            <a:r>
+              <a:rPr lang="en-US" sz="3600" b="1" dirty="0" smtClean="0"/>
+              <a:t>The English is more </a:t>
+            </a:r>
+            <a:r>
+              <a:rPr lang="en-US" sz="3600" b="1" dirty="0" err="1" smtClean="0"/>
+              <a:t>indian</a:t>
+            </a:r>
+            <a:r>
+              <a:rPr lang="en-US" sz="3600" b="1" dirty="0" smtClean="0"/>
+              <a:t> in accent and usage of words</a:t>
             </a:r>
           </a:p>
           <a:p>
             <a:pPr lvl="1"/>
             <a:r>
-              <a:rPr lang="en-US" b="1" dirty="0" smtClean="0"/>
-              <a:t>Request for Ruk Veda Mantras keep coming</a:t>
-            </a:r>
-          </a:p>
-          <a:p>
-            <a:pPr lvl="1"/>
-            <a:r>
-              <a:rPr lang="en-US" b="1" dirty="0" smtClean="0"/>
-              <a:t>Request for mantras with source reference since names differ.</a:t>
-            </a:r>
-          </a:p>
-          <a:p>
-            <a:r>
-              <a:rPr lang="en-US" b="1" dirty="0" smtClean="0"/>
-              <a:t>We don’t Print and Despatch books</a:t>
-            </a:r>
-          </a:p>
-          <a:p>
-            <a:r>
-              <a:rPr lang="en-US" b="1" dirty="0" smtClean="0"/>
-              <a:t>Kindly go through our site in detail once</a:t>
-            </a:r>
-          </a:p>
-          <a:p>
-            <a:pPr lvl="1"/>
-            <a:r>
-              <a:rPr lang="en-US" b="1" dirty="0" smtClean="0"/>
-              <a:t>There are many requests that come without seeing notes in our Site</a:t>
-            </a:r>
-          </a:p>
-          <a:p>
-            <a:pPr lvl="1"/>
-            <a:r>
-              <a:rPr lang="en-US" b="1" dirty="0" smtClean="0"/>
-              <a:t>We upload what we have; don’t have something under the sleeve</a:t>
-            </a:r>
-          </a:p>
-          <a:p>
-            <a:r>
-              <a:rPr lang="en-US" b="1" dirty="0"/>
-              <a:t>We are not knowledgeable on Karma </a:t>
-            </a:r>
-            <a:r>
-              <a:rPr lang="en-US" b="1" dirty="0" err="1"/>
-              <a:t>Kandas</a:t>
-            </a:r>
-            <a:endParaRPr lang="en-US" b="1" dirty="0"/>
-          </a:p>
-          <a:p>
-            <a:pPr lvl="1"/>
-            <a:r>
-              <a:rPr lang="en-US" b="1" dirty="0"/>
-              <a:t>Can be tried if there are serious volunteers</a:t>
-            </a:r>
-          </a:p>
-          <a:p>
-            <a:r>
-              <a:rPr lang="en-US" b="1" dirty="0"/>
-              <a:t>We will complement your sincere efforts</a:t>
-            </a:r>
-          </a:p>
-          <a:p>
-            <a:pPr lvl="1"/>
-            <a:r>
-              <a:rPr lang="en-US" b="1" dirty="0"/>
-              <a:t>Anything is possible with Divine </a:t>
-            </a:r>
-            <a:r>
-              <a:rPr lang="en-US" b="1" dirty="0" smtClean="0"/>
-              <a:t>Grace</a:t>
-            </a:r>
-            <a:endParaRPr lang="en-US" b="1" dirty="0"/>
-          </a:p>
-          <a:p>
-            <a:endParaRPr lang="en-US" dirty="0" smtClean="0"/>
-          </a:p>
-          <a:p>
-            <a:endParaRPr lang="en-US" dirty="0"/>
-          </a:p>
-          <a:p>
-            <a:pPr marL="914400" lvl="2" indent="0">
-              <a:buNone/>
-            </a:pPr>
-            <a:endParaRPr lang="en-US" dirty="0" smtClean="0"/>
-          </a:p>
-          <a:p>
-            <a:endParaRPr lang="en-US" dirty="0" smtClean="0"/>
-          </a:p>
-          <a:p>
-            <a:pPr marL="457200" lvl="1" indent="0">
-              <a:buNone/>
-            </a:pPr>
-            <a:endParaRPr lang="en-US" dirty="0"/>
+              <a:rPr lang="en-US" sz="3200" b="1" dirty="0" smtClean="0"/>
+              <a:t>Non-Indians kindly get more clarifications from learned sources</a:t>
+            </a:r>
+            <a:endParaRPr lang="en-US" sz="3200" b="1" dirty="0" smtClean="0"/>
           </a:p>
         </p:txBody>
       </p:sp>
     </p:spTree>
     <p:extLst>
       <p:ext uri="{BB962C8B-B14F-4D97-AF65-F5344CB8AC3E}">
-        <p14:creationId xmlns:p14="http://schemas.microsoft.com/office/powerpoint/2010/main" val="3703168028"/>
+        <p14:creationId xmlns:p14="http://schemas.microsoft.com/office/powerpoint/2010/main" val="1056979634"/>
       </p:ext>
     </p:extLst>
   </p:cSld>
@@ -3914,364 +4016,6 @@
         </p:nvSpPr>
         <p:spPr>
           <a:xfrm>
-            <a:off x="742666" y="0"/>
-            <a:ext cx="10515600" cy="1325563"/>
-          </a:xfrm>
-        </p:spPr>
-        <p:txBody>
-          <a:bodyPr/>
-          <a:lstStyle/>
-          <a:p>
-            <a:r>
-              <a:rPr lang="en-US" b="1" dirty="0" smtClean="0"/>
-              <a:t>Our Request to Patrons/Veda Learners</a:t>
-            </a:r>
-            <a:endParaRPr lang="en-US" b="1" dirty="0"/>
-          </a:p>
-        </p:txBody>
-      </p:sp>
-      <p:sp>
-        <p:nvSpPr>
-          <p:cNvPr id="3" name="Content Placeholder 2"/>
-          <p:cNvSpPr>
-            <a:spLocks noGrp="1"/>
-          </p:cNvSpPr>
-          <p:nvPr>
-            <p:ph idx="1"/>
-          </p:nvPr>
-        </p:nvSpPr>
-        <p:spPr>
-          <a:xfrm>
-            <a:off x="742666" y="1129589"/>
-            <a:ext cx="10515600" cy="5189324"/>
-          </a:xfrm>
-        </p:spPr>
-        <p:txBody>
-          <a:bodyPr>
-            <a:normAutofit fontScale="85000" lnSpcReduction="20000"/>
-          </a:bodyPr>
-          <a:lstStyle/>
-          <a:p>
-            <a:r>
-              <a:rPr lang="en-US" b="1" dirty="0" smtClean="0"/>
-              <a:t>We share Telephone Numbers only selectively</a:t>
-            </a:r>
-          </a:p>
-          <a:p>
-            <a:r>
-              <a:rPr lang="en-US" b="1" dirty="0" smtClean="0"/>
-              <a:t>We do not want to be on </a:t>
-            </a:r>
-            <a:r>
-              <a:rPr lang="en-US" b="1" dirty="0" err="1" smtClean="0"/>
-              <a:t>WhatsApp</a:t>
-            </a:r>
-            <a:endParaRPr lang="en-US" b="1" dirty="0" smtClean="0"/>
-          </a:p>
-          <a:p>
-            <a:pPr lvl="1"/>
-            <a:r>
-              <a:rPr lang="en-US" sz="2800" b="1" dirty="0" smtClean="0"/>
-              <a:t>We will be forced to respond to Good mornings and Good nights</a:t>
-            </a:r>
-          </a:p>
-          <a:p>
-            <a:pPr lvl="2"/>
-            <a:r>
-              <a:rPr lang="en-US" sz="2800" b="1" dirty="0" smtClean="0"/>
-              <a:t>Spiritual overload messages/Photos and Videos</a:t>
-            </a:r>
-          </a:p>
-          <a:p>
-            <a:pPr lvl="2"/>
-            <a:r>
-              <a:rPr lang="en-US" sz="2800" b="1" dirty="0" smtClean="0"/>
-              <a:t>We have our work to do</a:t>
-            </a:r>
-          </a:p>
-          <a:p>
-            <a:r>
-              <a:rPr lang="en-US" sz="3600" b="1" dirty="0" smtClean="0"/>
-              <a:t>If you have suggestion on technology issues, </a:t>
-            </a:r>
-            <a:br>
-              <a:rPr lang="en-US" sz="3600" b="1" dirty="0" smtClean="0"/>
-            </a:br>
-            <a:r>
-              <a:rPr lang="en-US" sz="3600" b="1" dirty="0" smtClean="0"/>
-              <a:t>we cannot handle the same with current resources</a:t>
-            </a:r>
-          </a:p>
-          <a:p>
-            <a:pPr lvl="1"/>
-            <a:r>
-              <a:rPr lang="en-US" sz="3200" b="1" dirty="0" smtClean="0"/>
-              <a:t>We can share our files on GitHub</a:t>
-            </a:r>
-          </a:p>
-          <a:p>
-            <a:r>
-              <a:rPr lang="en-US" b="1" dirty="0" smtClean="0"/>
-              <a:t>We want members who could volunteer work in our Private Group</a:t>
-            </a:r>
-          </a:p>
-          <a:p>
-            <a:pPr lvl="1"/>
-            <a:r>
-              <a:rPr lang="en-US" b="1" dirty="0" smtClean="0"/>
-              <a:t>Just do not send Request to join</a:t>
-            </a:r>
-          </a:p>
-          <a:p>
-            <a:r>
-              <a:rPr lang="en-US" b="1" dirty="0" smtClean="0"/>
-              <a:t>Remember </a:t>
-            </a:r>
-          </a:p>
-          <a:p>
-            <a:pPr lvl="1"/>
-            <a:r>
-              <a:rPr lang="en-US" sz="2800" b="1" dirty="0" smtClean="0"/>
-              <a:t>we are a virtual group</a:t>
-            </a:r>
-          </a:p>
-          <a:p>
-            <a:pPr lvl="1"/>
-            <a:r>
-              <a:rPr lang="en-US" sz="2800" b="1" dirty="0" smtClean="0"/>
-              <a:t>Veda is a vast ocean.. We are standing at the beach only</a:t>
-            </a:r>
-          </a:p>
-          <a:p>
-            <a:pPr lvl="1"/>
-            <a:r>
-              <a:rPr lang="en-US" sz="2800" b="1" dirty="0" smtClean="0"/>
-              <a:t>We are still learners and will only be !!</a:t>
-            </a:r>
-          </a:p>
-          <a:p>
-            <a:endParaRPr lang="en-US" dirty="0" smtClean="0"/>
-          </a:p>
-          <a:p>
-            <a:endParaRPr lang="en-US" dirty="0" smtClean="0"/>
-          </a:p>
-          <a:p>
-            <a:endParaRPr lang="en-US" dirty="0"/>
-          </a:p>
-          <a:p>
-            <a:pPr marL="914400" lvl="2" indent="0">
-              <a:buNone/>
-            </a:pPr>
-            <a:endParaRPr lang="en-US" dirty="0" smtClean="0"/>
-          </a:p>
-          <a:p>
-            <a:endParaRPr lang="en-US" dirty="0" smtClean="0"/>
-          </a:p>
-          <a:p>
-            <a:pPr marL="457200" lvl="1" indent="0">
-              <a:buNone/>
-            </a:pPr>
-            <a:endParaRPr lang="en-US" dirty="0"/>
-          </a:p>
-        </p:txBody>
-      </p:sp>
-    </p:spTree>
-    <p:extLst>
-      <p:ext uri="{BB962C8B-B14F-4D97-AF65-F5344CB8AC3E}">
-        <p14:creationId xmlns:p14="http://schemas.microsoft.com/office/powerpoint/2010/main" val="1186811929"/>
-      </p:ext>
-    </p:extLst>
-  </p:cSld>
-  <p:clrMapOvr>
-    <a:masterClrMapping/>
-  </p:clrMapOvr>
-  <p:timing>
-    <p:tnLst>
-      <p:par>
-        <p:cTn id="1" dur="indefinite" restart="never" nodeType="tmRoot"/>
-      </p:par>
-    </p:tnLst>
-  </p:timing>
-</p:sld>
-</file>
-
-<file path=ppt/slides/slide8.xml><?xml version="1.0" encoding="utf-8"?>
-<p:sld xmlns:a="http://schemas.openxmlformats.org/drawingml/2006/main" xmlns:r="http://schemas.openxmlformats.org/officeDocument/2006/relationships" xmlns:p="http://schemas.openxmlformats.org/presentationml/2006/main">
-  <p:cSld>
-    <p:spTree>
-      <p:nvGrpSpPr>
-        <p:cNvPr id="1" name=""/>
-        <p:cNvGrpSpPr/>
-        <p:nvPr/>
-      </p:nvGrpSpPr>
-      <p:grpSpPr>
-        <a:xfrm>
-          <a:off x="0" y="0"/>
-          <a:ext cx="0" cy="0"/>
-          <a:chOff x="0" y="0"/>
-          <a:chExt cx="0" cy="0"/>
-        </a:xfrm>
-      </p:grpSpPr>
-      <p:sp>
-        <p:nvSpPr>
-          <p:cNvPr id="2" name="Title 1"/>
-          <p:cNvSpPr>
-            <a:spLocks noGrp="1"/>
-          </p:cNvSpPr>
-          <p:nvPr>
-            <p:ph type="title"/>
-          </p:nvPr>
-        </p:nvSpPr>
-        <p:spPr>
-          <a:xfrm>
-            <a:off x="851848" y="0"/>
-            <a:ext cx="10039065" cy="1129589"/>
-          </a:xfrm>
-        </p:spPr>
-        <p:txBody>
-          <a:bodyPr/>
-          <a:lstStyle/>
-          <a:p>
-            <a:r>
-              <a:rPr lang="en-US" b="1" dirty="0"/>
-              <a:t>Don’t have unrealistic expectations</a:t>
-            </a:r>
-          </a:p>
-        </p:txBody>
-      </p:sp>
-      <p:sp>
-        <p:nvSpPr>
-          <p:cNvPr id="3" name="Content Placeholder 2"/>
-          <p:cNvSpPr>
-            <a:spLocks noGrp="1"/>
-          </p:cNvSpPr>
-          <p:nvPr>
-            <p:ph idx="1"/>
-          </p:nvPr>
-        </p:nvSpPr>
-        <p:spPr>
-          <a:xfrm>
-            <a:off x="742666" y="1129589"/>
-            <a:ext cx="10515600" cy="4351338"/>
-          </a:xfrm>
-        </p:spPr>
-        <p:txBody>
-          <a:bodyPr>
-            <a:normAutofit/>
-          </a:bodyPr>
-          <a:lstStyle/>
-          <a:p>
-            <a:r>
-              <a:rPr lang="en-US" b="1" dirty="0" smtClean="0"/>
-              <a:t>That we are going to give you translations ,commentaries or (</a:t>
-            </a:r>
-            <a:r>
-              <a:rPr lang="en-US" b="1" dirty="0" err="1" smtClean="0"/>
-              <a:t>Bhasyams</a:t>
-            </a:r>
-            <a:r>
-              <a:rPr lang="en-US" b="1" dirty="0" smtClean="0"/>
-              <a:t>)</a:t>
-            </a:r>
-          </a:p>
-          <a:p>
-            <a:r>
-              <a:rPr lang="en-US" b="1" dirty="0" smtClean="0"/>
-              <a:t>That we are going to cover </a:t>
-            </a:r>
-            <a:r>
-              <a:rPr lang="en-US" b="1" dirty="0" smtClean="0"/>
-              <a:t>detailed grammar or </a:t>
-            </a:r>
-            <a:r>
-              <a:rPr lang="en-US" b="1" dirty="0" err="1" smtClean="0"/>
-              <a:t>nikrutam</a:t>
-            </a:r>
-            <a:endParaRPr lang="en-US" b="1" dirty="0" smtClean="0"/>
-          </a:p>
-          <a:p>
-            <a:r>
-              <a:rPr lang="en-US" b="1" dirty="0" smtClean="0"/>
-              <a:t>That we are going to cover “</a:t>
-            </a:r>
-            <a:r>
-              <a:rPr lang="en-US" sz="3200" b="1" dirty="0" smtClean="0"/>
-              <a:t>what you want us” </a:t>
-            </a:r>
-          </a:p>
-          <a:p>
-            <a:pPr marL="0" indent="0">
-              <a:buNone/>
-            </a:pPr>
-            <a:r>
-              <a:rPr lang="en-US" sz="3200" b="1" dirty="0" smtClean="0"/>
-              <a:t>Rather let us</a:t>
-            </a:r>
-            <a:endParaRPr lang="en-US" sz="3200" b="1" dirty="0"/>
-          </a:p>
-          <a:p>
-            <a:r>
-              <a:rPr lang="en-US" sz="3600" b="1" dirty="0" smtClean="0"/>
-              <a:t>stick to what we have learnt </a:t>
-            </a:r>
-          </a:p>
-          <a:p>
-            <a:r>
-              <a:rPr lang="en-US" sz="3600" b="1" dirty="0" smtClean="0"/>
-              <a:t>What we can possibly Share and do</a:t>
-            </a:r>
-          </a:p>
-        </p:txBody>
-      </p:sp>
-    </p:spTree>
-    <p:extLst>
-      <p:ext uri="{BB962C8B-B14F-4D97-AF65-F5344CB8AC3E}">
-        <p14:creationId xmlns:p14="http://schemas.microsoft.com/office/powerpoint/2010/main" val="2880913269"/>
-      </p:ext>
-    </p:extLst>
-  </p:cSld>
-  <p:clrMapOvr>
-    <a:masterClrMapping/>
-  </p:clrMapOvr>
-  <p:timing>
-    <p:tnLst>
-      <p:par>
-        <p:cTn id="1" dur="indefinite" restart="never" nodeType="tmRoot"/>
-      </p:par>
-    </p:tnLst>
-  </p:timing>
-</p:sld>
-</file>
-
-<file path=ppt/slides/slide9.xml><?xml version="1.0" encoding="utf-8"?>
-<p:sld xmlns:a="http://schemas.openxmlformats.org/drawingml/2006/main" xmlns:r="http://schemas.openxmlformats.org/officeDocument/2006/relationships" xmlns:p="http://schemas.openxmlformats.org/presentationml/2006/main">
-  <p:cSld>
-    <p:spTree>
-      <p:nvGrpSpPr>
-        <p:cNvPr id="1" name=""/>
-        <p:cNvGrpSpPr/>
-        <p:nvPr/>
-      </p:nvGrpSpPr>
-      <p:grpSpPr>
-        <a:xfrm>
-          <a:off x="0" y="0"/>
-          <a:ext cx="0" cy="0"/>
-          <a:chOff x="0" y="0"/>
-          <a:chExt cx="0" cy="0"/>
-        </a:xfrm>
-      </p:grpSpPr>
-      <p:sp>
-        <p:nvSpPr>
-          <p:cNvPr id="2" name="Title 1"/>
-          <p:cNvSpPr>
-            <a:spLocks noGrp="1"/>
-          </p:cNvSpPr>
-          <p:nvPr>
-            <p:ph type="title"/>
-          </p:nvPr>
-        </p:nvSpPr>
-        <p:spPr>
-          <a:xfrm>
             <a:off x="838200" y="365125"/>
             <a:ext cx="10515600" cy="904117"/>
           </a:xfrm>
@@ -4281,14 +4025,27 @@
           <a:lstStyle/>
           <a:p>
             <a:r>
-              <a:rPr lang="en-US" b="1" dirty="0" smtClean="0"/>
+              <a:rPr lang="en-US" b="1" dirty="0" smtClean="0">
+                <a:latin typeface="Arial" panose="020B0604020202020204" pitchFamily="34" charset="0"/>
+                <a:cs typeface="Arial" panose="020B0604020202020204" pitchFamily="34" charset="0"/>
+              </a:rPr>
               <a:t>Feedback</a:t>
             </a:r>
             <a:r>
               <a:rPr lang="en-US" dirty="0" smtClean="0"/>
               <a:t> </a:t>
             </a:r>
-            <a:endParaRPr lang="en-US" dirty="0"/>
+            <a:r>
+              <a:rPr lang="en-US" b="1" dirty="0" smtClean="0">
+                <a:latin typeface="Arial" panose="020B0604020202020204" pitchFamily="34" charset="0"/>
+                <a:cs typeface="Arial" panose="020B0604020202020204" pitchFamily="34" charset="0"/>
+              </a:rPr>
+              <a:t>&amp; suggestions</a:t>
+            </a:r>
+            <a:endParaRPr lang="en-US" b="1" dirty="0">
+              <a:latin typeface="Arial" panose="020B0604020202020204" pitchFamily="34" charset="0"/>
+              <a:cs typeface="Arial" panose="020B0604020202020204" pitchFamily="34" charset="0"/>
+            </a:endParaRPr>
           </a:p>
         </p:txBody>
       </p:sp>
@@ -4302,7 +4059,12 @@
             <p:ph idx="1"/>
           </p:nvPr>
         </p:nvSpPr>
-        <p:spPr/>
+        <p:spPr>
+          <a:xfrm>
+            <a:off x="736600" y="1520825"/>
+            <a:ext cx="10515600" cy="4351338"/>
+          </a:xfrm>
+        </p:spPr>
         <p:txBody>
           <a:bodyPr>
             <a:normAutofit/>
@@ -4311,26 +4073,57 @@
           <a:p>
             <a:r>
               <a:rPr lang="en-US" sz="3600" b="1" dirty="0" smtClean="0"/>
-              <a:t>Aaladi Channel which you are watching</a:t>
-            </a:r>
-          </a:p>
-          <a:p>
+              <a:t>Kindly share details of </a:t>
+            </a:r>
+            <a:r>
+              <a:rPr lang="en-US" sz="3600" b="1" dirty="0" err="1" smtClean="0"/>
+              <a:t>Aaladi</a:t>
+            </a:r>
+            <a:r>
+              <a:rPr lang="en-US" sz="3600" b="1" dirty="0" smtClean="0"/>
+              <a:t> and </a:t>
+            </a:r>
+            <a:r>
+              <a:rPr lang="en-US" sz="3600" b="1" dirty="0" err="1" smtClean="0"/>
+              <a:t>VedaVMS</a:t>
+            </a:r>
+            <a:r>
+              <a:rPr lang="en-US" sz="3600" b="1" dirty="0" smtClean="0"/>
+              <a:t> Channels to your friends</a:t>
+            </a:r>
+          </a:p>
+          <a:p>
+            <a:r>
+              <a:rPr lang="en-US" sz="3600" b="1" dirty="0" smtClean="0"/>
+              <a:t>Kindly Subscribe and watch regularly</a:t>
+            </a:r>
+            <a:endParaRPr lang="en-US" sz="3600" b="1" dirty="0" smtClean="0"/>
+          </a:p>
+          <a:p>
+            <a:r>
+              <a:rPr lang="en-US" sz="3600" b="1" dirty="0" err="1" smtClean="0"/>
+              <a:t>Aaladi</a:t>
+            </a:r>
+            <a:r>
+              <a:rPr lang="en-US" sz="3600" b="1" dirty="0" smtClean="0"/>
+              <a:t> Channel is managing</a:t>
+            </a:r>
             <a:endParaRPr lang="en-US" sz="3600" b="1" dirty="0"/>
           </a:p>
           <a:p>
-            <a:r>
-              <a:rPr lang="en-US" sz="3600" b="1" dirty="0" err="1" smtClean="0"/>
+            <a:pPr lvl="1"/>
+            <a:r>
+              <a:rPr lang="en-US" sz="3200" b="1" dirty="0" err="1" smtClean="0"/>
               <a:t>Vedavms</a:t>
             </a:r>
             <a:r>
-              <a:rPr lang="en-US" sz="3600" b="1" dirty="0" smtClean="0"/>
-              <a:t> shall be a separate playlist</a:t>
-            </a:r>
-          </a:p>
-          <a:p>
-            <a:pPr marL="0" indent="0">
-              <a:buNone/>
-            </a:pPr>
+              <a:rPr lang="en-US" sz="3200" b="1" dirty="0" smtClean="0"/>
+              <a:t> </a:t>
+            </a:r>
+            <a:r>
+              <a:rPr lang="en-US" sz="3200" b="1" dirty="0" smtClean="0"/>
+              <a:t>as a channel </a:t>
+            </a:r>
             <a:endParaRPr lang="en-US" sz="3600" b="1" dirty="0" smtClean="0"/>
           </a:p>
           <a:p>
@@ -4347,12 +4140,13 @@
             <a:endParaRPr lang="en-US" sz="3600" b="1" dirty="0" smtClean="0"/>
           </a:p>
           <a:p>
-            <a:endParaRPr lang="en-US" sz="3600" b="1" dirty="0"/>
-          </a:p>
-          <a:p>
             <a:r>
               <a:rPr lang="en-US" sz="3600" b="1" dirty="0" smtClean="0"/>
-              <a:t>Thank you </a:t>
+              <a:t>Thank </a:t>
+            </a:r>
+            <a:r>
+              <a:rPr lang="en-US" sz="3600" b="1" dirty="0" smtClean="0"/>
+              <a:t>you </a:t>
             </a:r>
             <a:endParaRPr lang="en-US" sz="3600" b="1" dirty="0"/>
           </a:p>
